--- a/2020-02-03-김구민.pptx
+++ b/2020-02-03-김구민.pptx
@@ -5,19 +5,18 @@
     <p:sldMasterId id="2147483648" r:id="rId1"/>
   </p:sldMasterIdLst>
   <p:notesMasterIdLst>
-    <p:notesMasterId r:id="rId9"/>
+    <p:notesMasterId r:id="rId8"/>
   </p:notesMasterIdLst>
   <p:handoutMasterIdLst>
-    <p:handoutMasterId r:id="rId10"/>
+    <p:handoutMasterId r:id="rId9"/>
   </p:handoutMasterIdLst>
   <p:sldIdLst>
     <p:sldId id="488" r:id="rId2"/>
     <p:sldId id="489" r:id="rId3"/>
     <p:sldId id="491" r:id="rId4"/>
-    <p:sldId id="497" r:id="rId5"/>
-    <p:sldId id="494" r:id="rId6"/>
-    <p:sldId id="495" r:id="rId7"/>
-    <p:sldId id="496" r:id="rId8"/>
+    <p:sldId id="494" r:id="rId5"/>
+    <p:sldId id="495" r:id="rId6"/>
+    <p:sldId id="496" r:id="rId7"/>
   </p:sldIdLst>
   <p:sldSz cx="9144000" cy="6858000" type="screen4x3"/>
   <p:notesSz cx="6858000" cy="9144000"/>
@@ -262,7 +261,7 @@
             <a:fld id="{36C39FFA-0F1A-413B-9BFE-941741C2D487}" type="datetimeFigureOut">
               <a:rPr lang="ko-KR" altLang="en-US" smtClean="0"/>
               <a:pPr/>
-              <a:t>2020-02-03</a:t>
+              <a:t>2020-02-10</a:t>
             </a:fld>
             <a:endParaRPr lang="ko-KR" altLang="en-US"/>
           </a:p>
@@ -429,7 +428,7 @@
             <a:fld id="{1F54C1B5-EB92-45E6-AFCD-6AAB73579DF8}" type="datetimeFigureOut">
               <a:rPr lang="ko-KR" altLang="en-US" smtClean="0"/>
               <a:pPr/>
-              <a:t>2020-02-03</a:t>
+              <a:t>2020-02-10</a:t>
             </a:fld>
             <a:endParaRPr lang="ko-KR" altLang="en-US"/>
           </a:p>
@@ -2800,7 +2799,7 @@
           <a:p>
             <a:r>
               <a:rPr lang="en-US" altLang="ko-KR" dirty="0"/>
-              <a:t>4</a:t>
+              <a:t>5</a:t>
             </a:r>
             <a:r>
               <a:rPr lang="ko-KR" altLang="en-US" dirty="0"/>
@@ -2961,7 +2960,7 @@
           <a:p>
             <a:r>
               <a:rPr lang="en-US" altLang="ko-KR" dirty="0"/>
-              <a:t>3</a:t>
+              <a:t>5</a:t>
             </a:r>
             <a:r>
               <a:rPr lang="ko-KR" altLang="en-US" dirty="0"/>
@@ -2972,7 +2971,7 @@
           <a:p>
             <a:r>
               <a:rPr lang="en-US" altLang="ko-KR" dirty="0"/>
-              <a:t>3</a:t>
+              <a:t>5</a:t>
             </a:r>
             <a:r>
               <a:rPr lang="ko-KR" altLang="en-US" dirty="0"/>
@@ -2983,7 +2982,7 @@
           <a:p>
             <a:r>
               <a:rPr lang="en-US" altLang="ko-KR" dirty="0"/>
-              <a:t>4</a:t>
+              <a:t>6</a:t>
             </a:r>
             <a:r>
               <a:rPr lang="ko-KR" altLang="en-US" dirty="0"/>
@@ -3053,7 +3052,7 @@
           <a:p>
             <a:r>
               <a:rPr lang="en-US" altLang="ko-KR" dirty="0"/>
-              <a:t>3</a:t>
+              <a:t>5</a:t>
             </a:r>
             <a:r>
               <a:rPr lang="ko-KR" altLang="en-US" dirty="0"/>
@@ -3308,131 +3307,6 @@
           <p:cNvPr id="2" name="제목 1">
             <a:extLst>
               <a:ext uri="{FF2B5EF4-FFF2-40B4-BE49-F238E27FC236}">
-                <a16:creationId xmlns:a16="http://schemas.microsoft.com/office/drawing/2014/main" id="{EA93FA0E-FB58-452A-BD09-1D1B1F4F75C5}"/>
-              </a:ext>
-            </a:extLst>
-          </p:cNvPr>
-          <p:cNvSpPr>
-            <a:spLocks noGrp="1"/>
-          </p:cNvSpPr>
-          <p:nvPr>
-            <p:ph type="title"/>
-          </p:nvPr>
-        </p:nvSpPr>
-        <p:spPr/>
-        <p:txBody>
-          <a:bodyPr/>
-          <a:lstStyle/>
-          <a:p>
-            <a:r>
-              <a:rPr lang="en-US" altLang="ko-KR" dirty="0"/>
-              <a:t>3</a:t>
-            </a:r>
-            <a:r>
-              <a:rPr lang="ko-KR" altLang="en-US" dirty="0"/>
-              <a:t>주차 현황</a:t>
-            </a:r>
-          </a:p>
-        </p:txBody>
-      </p:sp>
-      <p:sp>
-        <p:nvSpPr>
-          <p:cNvPr id="3" name="내용 개체 틀 2">
-            <a:extLst>
-              <a:ext uri="{FF2B5EF4-FFF2-40B4-BE49-F238E27FC236}">
-                <a16:creationId xmlns:a16="http://schemas.microsoft.com/office/drawing/2014/main" id="{AE12B224-46CC-4F0A-B8CC-E5F646F6D5E5}"/>
-              </a:ext>
-            </a:extLst>
-          </p:cNvPr>
-          <p:cNvSpPr>
-            <a:spLocks noGrp="1"/>
-          </p:cNvSpPr>
-          <p:nvPr>
-            <p:ph idx="1"/>
-          </p:nvPr>
-        </p:nvSpPr>
-        <p:spPr/>
-        <p:txBody>
-          <a:bodyPr/>
-          <a:lstStyle/>
-          <a:p>
-            <a:endParaRPr lang="ko-KR" altLang="en-US" dirty="0"/>
-          </a:p>
-        </p:txBody>
-      </p:sp>
-      <p:sp>
-        <p:nvSpPr>
-          <p:cNvPr id="4" name="슬라이드 번호 개체 틀 3">
-            <a:extLst>
-              <a:ext uri="{FF2B5EF4-FFF2-40B4-BE49-F238E27FC236}">
-                <a16:creationId xmlns:a16="http://schemas.microsoft.com/office/drawing/2014/main" id="{041ACE90-071E-4A7E-9850-3F8C9F4EEEEE}"/>
-              </a:ext>
-            </a:extLst>
-          </p:cNvPr>
-          <p:cNvSpPr>
-            <a:spLocks noGrp="1"/>
-          </p:cNvSpPr>
-          <p:nvPr>
-            <p:ph type="sldNum" sz="quarter" idx="12"/>
-          </p:nvPr>
-        </p:nvSpPr>
-        <p:spPr/>
-        <p:txBody>
-          <a:bodyPr/>
-          <a:lstStyle/>
-          <a:p>
-            <a:fld id="{3F781722-816A-4305-B446-15B4E2097865}" type="slidenum">
-              <a:rPr lang="ko-KR" altLang="en-US" smtClean="0"/>
-              <a:pPr/>
-              <a:t>4</a:t>
-            </a:fld>
-            <a:r>
-              <a:rPr lang="ko-KR" altLang="en-US"/>
-              <a:t> </a:t>
-            </a:r>
-            <a:r>
-              <a:rPr lang="en-US" altLang="ko-KR"/>
-              <a:t>/ 8</a:t>
-            </a:r>
-            <a:endParaRPr lang="ko-KR" altLang="en-US" dirty="0"/>
-          </a:p>
-        </p:txBody>
-      </p:sp>
-    </p:spTree>
-    <p:extLst>
-      <p:ext uri="{BB962C8B-B14F-4D97-AF65-F5344CB8AC3E}">
-        <p14:creationId xmlns:p14="http://schemas.microsoft.com/office/powerpoint/2010/main" val="712641999"/>
-      </p:ext>
-    </p:extLst>
-  </p:cSld>
-  <p:clrMapOvr>
-    <a:masterClrMapping/>
-  </p:clrMapOvr>
-</p:sld>
-</file>
-
-<file path=ppt/slides/slide5.xml><?xml version="1.0" encoding="utf-8"?>
-<p:sld xmlns:a="http://schemas.openxmlformats.org/drawingml/2006/main" xmlns:r="http://schemas.openxmlformats.org/officeDocument/2006/relationships" xmlns:p="http://schemas.openxmlformats.org/presentationml/2006/main">
-  <p:cSld>
-    <p:spTree>
-      <p:nvGrpSpPr>
-        <p:cNvPr id="1" name=""/>
-        <p:cNvGrpSpPr/>
-        <p:nvPr/>
-      </p:nvGrpSpPr>
-      <p:grpSpPr>
-        <a:xfrm>
-          <a:off x="0" y="0"/>
-          <a:ext cx="0" cy="0"/>
-          <a:chOff x="0" y="0"/>
-          <a:chExt cx="0" cy="0"/>
-        </a:xfrm>
-      </p:grpSpPr>
-      <p:sp>
-        <p:nvSpPr>
-          <p:cNvPr id="2" name="제목 1">
-            <a:extLst>
-              <a:ext uri="{FF2B5EF4-FFF2-40B4-BE49-F238E27FC236}">
                 <a16:creationId xmlns:a16="http://schemas.microsoft.com/office/drawing/2014/main" id="{B90D5F44-AFB3-43BF-904E-04707C478F9F}"/>
               </a:ext>
             </a:extLst>
@@ -3451,7 +3325,7 @@
           <a:p>
             <a:r>
               <a:rPr lang="en-US" altLang="ko-KR" dirty="0"/>
-              <a:t>3</a:t>
+              <a:t>5</a:t>
             </a:r>
             <a:r>
               <a:rPr lang="ko-KR" altLang="en-US" dirty="0"/>
@@ -4037,7 +3911,7 @@
 </p:sld>
 </file>
 
-<file path=ppt/slides/slide6.xml><?xml version="1.0" encoding="utf-8"?>
+<file path=ppt/slides/slide5.xml><?xml version="1.0" encoding="utf-8"?>
 <p:sld xmlns:a="http://schemas.openxmlformats.org/drawingml/2006/main" xmlns:r="http://schemas.openxmlformats.org/officeDocument/2006/relationships" xmlns:p="http://schemas.openxmlformats.org/presentationml/2006/main">
   <p:cSld>
     <p:spTree>
@@ -4077,11 +3951,15 @@
           <a:p>
             <a:r>
               <a:rPr lang="en-US" altLang="ko-KR" dirty="0"/>
-              <a:t>4</a:t>
-            </a:r>
-            <a:r>
-              <a:rPr lang="ko-KR" altLang="en-US" dirty="0"/>
-              <a:t>주차 계획</a:t>
+              <a:t>6</a:t>
+            </a:r>
+            <a:r>
+              <a:rPr lang="ko-KR" altLang="en-US"/>
+              <a:t>주차 </a:t>
+            </a:r>
+            <a:r>
+              <a:rPr lang="ko-KR" altLang="en-US" dirty="0"/>
+              <a:t>계획</a:t>
             </a:r>
           </a:p>
         </p:txBody>
@@ -4194,7 +4072,7 @@
 </p:sld>
 </file>
 
-<file path=ppt/slides/slide7.xml><?xml version="1.0" encoding="utf-8"?>
+<file path=ppt/slides/slide6.xml><?xml version="1.0" encoding="utf-8"?>
 <p:sld xmlns:a="http://schemas.openxmlformats.org/drawingml/2006/main" xmlns:r="http://schemas.openxmlformats.org/officeDocument/2006/relationships" xmlns:p="http://schemas.openxmlformats.org/presentationml/2006/main">
   <p:cSld>
     <p:spTree>
@@ -4297,7 +4175,7 @@
             <a:fld id="{3F781722-816A-4305-B446-15B4E2097865}" type="slidenum">
               <a:rPr lang="ko-KR" altLang="en-US" smtClean="0"/>
               <a:pPr/>
-              <a:t>7</a:t>
+              <a:t>6</a:t>
             </a:fld>
             <a:r>
               <a:rPr lang="ko-KR" altLang="en-US" dirty="0"/>
